--- a/documents/blockchain.pptx
+++ b/documents/blockchain.pptx
@@ -696,6 +696,92 @@
               <a:rPr lang="en-US" smtClean="0"/>
               <a:pPr/>
               <a:t>3</a:t>
+            </a:fld>
+            <a:endParaRPr lang="en-US"/>
+          </a:p>
+        </p:txBody>
+      </p:sp>
+    </p:spTree>
+  </p:cSld>
+  <p:clrMapOvr>
+    <a:masterClrMapping/>
+  </p:clrMapOvr>
+</p:notes>
+</file>
+
+<file path=ppt/notesSlides/notesSlide3.xml><?xml version="1.0" encoding="utf-8"?>
+<p:notes xmlns:a="http://schemas.openxmlformats.org/drawingml/2006/main" xmlns:r="http://schemas.openxmlformats.org/officeDocument/2006/relationships" xmlns:p="http://schemas.openxmlformats.org/presentationml/2006/main">
+  <p:cSld>
+    <p:spTree>
+      <p:nvGrpSpPr>
+        <p:cNvPr id="1" name=""/>
+        <p:cNvGrpSpPr/>
+        <p:nvPr/>
+      </p:nvGrpSpPr>
+      <p:grpSpPr>
+        <a:xfrm>
+          <a:off x="0" y="0"/>
+          <a:ext cx="0" cy="0"/>
+          <a:chOff x="0" y="0"/>
+          <a:chExt cx="0" cy="0"/>
+        </a:xfrm>
+      </p:grpSpPr>
+      <p:sp>
+        <p:nvSpPr>
+          <p:cNvPr id="2" name="Slide Image Placeholder 1"/>
+          <p:cNvSpPr>
+            <a:spLocks noGrp="1" noRot="1" noChangeAspect="1"/>
+          </p:cNvSpPr>
+          <p:nvPr>
+            <p:ph type="sldImg"/>
+          </p:nvPr>
+        </p:nvSpPr>
+        <p:spPr/>
+      </p:sp>
+      <p:sp>
+        <p:nvSpPr>
+          <p:cNvPr id="3" name="Notes Placeholder 2"/>
+          <p:cNvSpPr>
+            <a:spLocks noGrp="1"/>
+          </p:cNvSpPr>
+          <p:nvPr>
+            <p:ph type="body" idx="1"/>
+          </p:nvPr>
+        </p:nvSpPr>
+        <p:spPr/>
+        <p:txBody>
+          <a:bodyPr>
+            <a:normAutofit/>
+          </a:bodyPr>
+          <a:lstStyle/>
+          <a:p>
+            <a:r>
+              <a:rPr lang="en-US" smtClean="0"/>
+              <a:t>https://academy.binance.com/en/glossary/orphan-block</a:t>
+            </a:r>
+            <a:endParaRPr lang="en-US"/>
+          </a:p>
+        </p:txBody>
+      </p:sp>
+      <p:sp>
+        <p:nvSpPr>
+          <p:cNvPr id="4" name="Slide Number Placeholder 3"/>
+          <p:cNvSpPr>
+            <a:spLocks noGrp="1"/>
+          </p:cNvSpPr>
+          <p:nvPr>
+            <p:ph type="sldNum" sz="quarter" idx="10"/>
+          </p:nvPr>
+        </p:nvSpPr>
+        <p:spPr/>
+        <p:txBody>
+          <a:bodyPr/>
+          <a:lstStyle/>
+          <a:p>
+            <a:fld id="{69E89D3E-487D-46A8-8404-54CA91154211}" type="slidenum">
+              <a:rPr lang="en-US" smtClean="0"/>
+              <a:pPr/>
+              <a:t>10</a:t>
             </a:fld>
             <a:endParaRPr lang="en-US"/>
           </a:p>
@@ -3759,10 +3845,121 @@
         </p:nvSpPr>
         <p:spPr/>
         <p:txBody>
-          <a:bodyPr/>
-          <a:lstStyle/>
-          <a:p>
-            <a:endParaRPr lang="en-US"/>
+          <a:bodyPr>
+            <a:normAutofit fontScale="47500" lnSpcReduction="20000"/>
+          </a:bodyPr>
+          <a:lstStyle/>
+          <a:p>
+            <a:pPr fontAlgn="base"/>
+            <a:r>
+              <a:rPr lang="en-US" dirty="0" smtClean="0"/>
+              <a:t>An orphan block is a block whose parent block is unknown or inexistent. These types of blocks were formed in older versions of the </a:t>
+            </a:r>
+            <a:r>
+              <a:rPr lang="en-US" dirty="0" err="1" smtClean="0"/>
+              <a:t>Bitcoin</a:t>
+            </a:r>
+            <a:r>
+              <a:rPr lang="en-US" dirty="0" smtClean="0"/>
+              <a:t> Core software, where network </a:t>
+            </a:r>
+            <a:r>
+              <a:rPr lang="en-US" u="sng" dirty="0" smtClean="0">
+                <a:hlinkClick r:id="rId3"/>
+              </a:rPr>
+              <a:t>nodes</a:t>
+            </a:r>
+            <a:r>
+              <a:rPr lang="en-US" dirty="0" smtClean="0"/>
+              <a:t> could receive blocks despite the lack of data about their ancestry. Since the release of </a:t>
+            </a:r>
+            <a:r>
+              <a:rPr lang="en-US" dirty="0" err="1" smtClean="0"/>
+              <a:t>Bitcoin</a:t>
+            </a:r>
+            <a:r>
+              <a:rPr lang="en-US" dirty="0" smtClean="0"/>
+              <a:t> Core v.0.10, in early 2015, </a:t>
+            </a:r>
+            <a:r>
+              <a:rPr lang="en-US" u="sng" dirty="0" err="1" smtClean="0">
+                <a:hlinkClick r:id="rId4"/>
+              </a:rPr>
+              <a:t>Bitcoin</a:t>
+            </a:r>
+            <a:r>
+              <a:rPr lang="en-US" dirty="0" smtClean="0"/>
+              <a:t> orphan blocks (in the literal sense) are no longer possible.</a:t>
+            </a:r>
+          </a:p>
+          <a:p>
+            <a:pPr fontAlgn="base"/>
+            <a:r>
+              <a:rPr lang="en-US" dirty="0" smtClean="0"/>
+              <a:t>However, the term orphan block is still widely used in the </a:t>
+            </a:r>
+            <a:r>
+              <a:rPr lang="en-US" u="sng" dirty="0" err="1" smtClean="0">
+                <a:hlinkClick r:id="rId5"/>
+              </a:rPr>
+              <a:t>cryptocurrency</a:t>
+            </a:r>
+            <a:r>
+              <a:rPr lang="en-US" dirty="0" smtClean="0"/>
+              <a:t> space when referring to valid </a:t>
+            </a:r>
+            <a:r>
+              <a:rPr lang="en-US" u="sng" dirty="0" smtClean="0">
+                <a:hlinkClick r:id="rId6"/>
+              </a:rPr>
+              <a:t>mined</a:t>
+            </a:r>
+            <a:r>
+              <a:rPr lang="en-US" dirty="0" smtClean="0"/>
+              <a:t> blocks that have been discarded. Technically, these blocks should be called “stale blocks” or “extinct blocks,” but because the client denotes their block rewards as “orphaned,” most people call them orphan blocks. So despite having a known parent block, most people refer to those blocks as orphan blocks rather than stale blocks.</a:t>
+            </a:r>
+          </a:p>
+          <a:p>
+            <a:pPr fontAlgn="base"/>
+            <a:r>
+              <a:rPr lang="en-US" dirty="0" smtClean="0"/>
+              <a:t>Stale blocks are generated when two different miners relay their valid blocks almost at the same time. This causes the network to split into two competing versions of the </a:t>
+            </a:r>
+            <a:r>
+              <a:rPr lang="en-US" dirty="0" err="1" smtClean="0"/>
+              <a:t>blockchain</a:t>
+            </a:r>
+            <a:r>
+              <a:rPr lang="en-US" dirty="0" smtClean="0"/>
+              <a:t> until one of the blocks is discarded (the longest chain prevails while the other is abandoned). Note that both blocks are verified and valid, but only one is attached to the main chain.</a:t>
+            </a:r>
+          </a:p>
+          <a:p>
+            <a:pPr fontAlgn="base"/>
+            <a:r>
+              <a:rPr lang="en-US" dirty="0" smtClean="0"/>
+              <a:t>Because miners are constantly generating new blocks, some of these may be broadcasted to the network almost simultaneously. And since the network is distributed, the transmission of information between nodes takes some time. For this reason, there is a possibility that a group of nodes will choose to validate one block, while another group will choose to validate the other. Finally, this would cause one of the blocks to be “orphaned”.</a:t>
+            </a:r>
+          </a:p>
+          <a:p>
+            <a:pPr fontAlgn="base"/>
+            <a:r>
+              <a:rPr lang="en-US" dirty="0" smtClean="0"/>
+              <a:t>The generation of stale blocks is completely natural and, in most cases, occurs by chance. However, they may also be produced when malicious actors try to create an alternate valid chain (see </a:t>
+            </a:r>
+            <a:r>
+              <a:rPr lang="en-US" u="sng" dirty="0" smtClean="0">
+                <a:hlinkClick r:id="rId7"/>
+              </a:rPr>
+              <a:t>51% attacks</a:t>
+            </a:r>
+            <a:r>
+              <a:rPr lang="en-US" dirty="0" smtClean="0"/>
+              <a:t>).</a:t>
+            </a:r>
+          </a:p>
+          <a:p>
+            <a:endParaRPr lang="en-US" dirty="0"/>
           </a:p>
         </p:txBody>
       </p:sp>
@@ -4412,11 +4609,7 @@
             </a:r>
             <a:r>
               <a:rPr lang="en-US" dirty="0" smtClean="0"/>
-              <a:t> nodes </a:t>
-            </a:r>
-            <a:r>
-              <a:rPr lang="en-US" dirty="0" smtClean="0"/>
-              <a:t>available</a:t>
+              <a:t> nodes available</a:t>
             </a:r>
           </a:p>
           <a:p>
